--- a/Presentaciones/1. Contenido Asignatura.pptx
+++ b/Presentaciones/1. Contenido Asignatura.pptx
@@ -4275,7 +4275,7 @@
             </a:pPr>
             <a:r>
               <a:rPr lang="es-CO" sz="3600" dirty="0"/>
-              <a:t>Encapsulamiento</a:t>
+              <a:t>Abstracción y encapsulamiento</a:t>
             </a:r>
           </a:p>
           <a:p>
@@ -4821,7 +4821,17 @@
             </a:pPr>
             <a:r>
               <a:rPr lang="es-CO" dirty="0"/>
-              <a:t>Ver diapositivas de Inicio de Clase</a:t>
+              <a:t>Ver diapositivas de Inicio de Clase </a:t>
+            </a:r>
+            <a:r>
+              <a:rPr lang="es-CO" dirty="0">
+                <a:hlinkClick r:id="rId2"/>
+              </a:rPr>
+              <a:t>https://github.com/parejajd/CursoPOO</a:t>
+            </a:r>
+            <a:r>
+              <a:rPr lang="es-CO" dirty="0"/>
+              <a:t> </a:t>
             </a:r>
           </a:p>
           <a:p>
